--- a/Jahresziele/2015/ABBYY/Fazit-Lieferantenrechnung.pptx
+++ b/Jahresziele/2015/ABBYY/Fazit-Lieferantenrechnung.pptx
@@ -200,7 +200,7 @@
             <a:fld id="{A8ADFD5B-A66C-449C-B6E8-FB716D07777D}" type="datetimeFigureOut">
               <a:rPr lang="de-DE"/>
               <a:pPr/>
-              <a:t>17.12.2015</a:t>
+              <a:t>18.12.2015</a:t>
             </a:fld>
             <a:endParaRPr lang="de-DE"/>
           </a:p>
@@ -376,7 +376,7 @@
     </p:spTree>
     <p:extLst>
       <p:ext uri="{BB962C8B-B14F-4D97-AF65-F5344CB8AC3E}">
-        <p14:creationId xmlns:p14="http://schemas.microsoft.com/office/powerpoint/2010/main" val="1907857566"/>
+        <p14:creationId xmlns="" xmlns:p14="http://schemas.microsoft.com/office/powerpoint/2010/main" val="1907857566"/>
       </p:ext>
     </p:extLst>
   </p:cSld>
@@ -552,7 +552,7 @@
     </p:spTree>
     <p:extLst>
       <p:ext uri="{BB962C8B-B14F-4D97-AF65-F5344CB8AC3E}">
-        <p14:creationId xmlns:p14="http://schemas.microsoft.com/office/powerpoint/2010/main" val="325568466"/>
+        <p14:creationId xmlns="" xmlns:p14="http://schemas.microsoft.com/office/powerpoint/2010/main" val="325568466"/>
       </p:ext>
     </p:extLst>
   </p:cSld>
@@ -637,7 +637,7 @@
     </p:spTree>
     <p:extLst>
       <p:ext uri="{BB962C8B-B14F-4D97-AF65-F5344CB8AC3E}">
-        <p14:creationId xmlns:p14="http://schemas.microsoft.com/office/powerpoint/2010/main" val="2279025156"/>
+        <p14:creationId xmlns="" xmlns:p14="http://schemas.microsoft.com/office/powerpoint/2010/main" val="2279025156"/>
       </p:ext>
     </p:extLst>
   </p:cSld>
@@ -722,7 +722,7 @@
     </p:spTree>
     <p:extLst>
       <p:ext uri="{BB962C8B-B14F-4D97-AF65-F5344CB8AC3E}">
-        <p14:creationId xmlns:p14="http://schemas.microsoft.com/office/powerpoint/2010/main" val="2279025156"/>
+        <p14:creationId xmlns="" xmlns:p14="http://schemas.microsoft.com/office/powerpoint/2010/main" val="2279025156"/>
       </p:ext>
     </p:extLst>
   </p:cSld>
@@ -1438,15 +1438,7 @@
                   <a:srgbClr val="C00000"/>
                 </a:solidFill>
               </a:rPr>
-              <a:t>Fazit   </a:t>
-            </a:r>
-            <a:r>
-              <a:rPr lang="de-DE" sz="4000" b="1" dirty="0" smtClean="0">
-                <a:solidFill>
-                  <a:srgbClr val="C00000"/>
-                </a:solidFill>
-              </a:rPr>
-              <a:t>„Lieferantenrechnungen“</a:t>
+              <a:t>Fazit   „Lieferantenrechnungen“</a:t>
             </a:r>
             <a:endParaRPr lang="de-DE" sz="4000" b="1" dirty="0">
               <a:solidFill>
@@ -1954,15 +1946,68 @@
                   <a:srgbClr val="00B050"/>
                 </a:solidFill>
               </a:rPr>
-              <a:t>+ Hohe XML </a:t>
+              <a:t>+ Hohe XML Spalten Ausbeute</a:t>
             </a:r>
+            <a:endParaRPr lang="de-DE" sz="2000" b="1" dirty="0">
+              <a:solidFill>
+                <a:srgbClr val="00B050"/>
+              </a:solidFill>
+            </a:endParaRPr>
+          </a:p>
+        </p:txBody>
+      </p:sp>
+      <p:sp>
+        <p:nvSpPr>
+          <p:cNvPr id="9" name="Textfeld 8"/>
+          <p:cNvSpPr txBox="1"/>
+          <p:nvPr/>
+        </p:nvSpPr>
+        <p:spPr>
+          <a:xfrm>
+            <a:off x="1619672" y="165231"/>
+            <a:ext cx="6117870" cy="390295"/>
+          </a:xfrm>
+          <a:prstGeom prst="rect">
+            <a:avLst/>
+          </a:prstGeom>
+          <a:solidFill>
+            <a:schemeClr val="bg1"/>
+          </a:solidFill>
+          <a:ln w="57150">
+            <a:solidFill>
+              <a:srgbClr val="00B050"/>
+            </a:solidFill>
+          </a:ln>
+          <a:effectLst>
+            <a:outerShdw blurRad="254000" dist="12700" dir="2700000" sx="101000" sy="101000" algn="tl" rotWithShape="0">
+              <a:prstClr val="black">
+                <a:alpha val="21000"/>
+              </a:prstClr>
+            </a:outerShdw>
+          </a:effectLst>
+        </p:spPr>
+        <p:txBody>
+          <a:bodyPr wrap="square" lIns="72000" tIns="36000" rtlCol="0" anchor="t">
+            <a:spAutoFit/>
+          </a:bodyPr>
+          <a:lstStyle/>
+          <a:p>
+            <a:pPr marL="216000">
+              <a:spcBef>
+                <a:spcPts val="600"/>
+              </a:spcBef>
+              <a:spcAft>
+                <a:spcPts val="600"/>
+              </a:spcAft>
+              <a:buSzPct val="180000"/>
+            </a:pPr>
             <a:r>
               <a:rPr lang="de-DE" sz="2000" b="1" dirty="0" smtClean="0">
                 <a:solidFill>
                   <a:srgbClr val="00B050"/>
                 </a:solidFill>
               </a:rPr>
-              <a:t>Spalten Ausbeute</a:t>
+              <a:t>+ Relativ hohe Verarbeitungsgeschwindigkeit (&lt; 3 Sek)</a:t>
             </a:r>
             <a:endParaRPr lang="de-DE" sz="2000" b="1" dirty="0">
               <a:solidFill>
@@ -2434,20 +2479,110 @@
                                   </p:childTnLst>
                                 </p:cTn>
                               </p:par>
+                            </p:childTnLst>
+                          </p:cTn>
+                        </p:par>
+                        <p:par>
+                          <p:cTn id="33" fill="hold">
+                            <p:stCondLst>
+                              <p:cond delay="5800"/>
+                            </p:stCondLst>
+                            <p:childTnLst>
                               <p:par>
-                                <p:cTn id="33" presetID="1" presetClass="entr" presetSubtype="0" fill="hold" grpId="0" nodeType="withEffect" nodePh="1">
+                                <p:cTn id="34" presetID="53" presetClass="entr" presetSubtype="16" fill="hold" grpId="0" nodeType="afterEffect">
+                                  <p:stCondLst>
+                                    <p:cond delay="3000"/>
+                                  </p:stCondLst>
+                                  <p:childTnLst>
+                                    <p:set>
+                                      <p:cBhvr>
+                                        <p:cTn id="35" dur="1" fill="hold">
+                                          <p:stCondLst>
+                                            <p:cond delay="0"/>
+                                          </p:stCondLst>
+                                        </p:cTn>
+                                        <p:tgtEl>
+                                          <p:spTgt spid="9"/>
+                                        </p:tgtEl>
+                                        <p:attrNameLst>
+                                          <p:attrName>style.visibility</p:attrName>
+                                        </p:attrNameLst>
+                                      </p:cBhvr>
+                                      <p:to>
+                                        <p:strVal val="visible"/>
+                                      </p:to>
+                                    </p:set>
+                                    <p:anim calcmode="lin" valueType="num">
+                                      <p:cBhvr>
+                                        <p:cTn id="36" dur="250" fill="hold"/>
+                                        <p:tgtEl>
+                                          <p:spTgt spid="9"/>
+                                        </p:tgtEl>
+                                        <p:attrNameLst>
+                                          <p:attrName>ppt_w</p:attrName>
+                                        </p:attrNameLst>
+                                      </p:cBhvr>
+                                      <p:tavLst>
+                                        <p:tav tm="0">
+                                          <p:val>
+                                            <p:fltVal val="0"/>
+                                          </p:val>
+                                        </p:tav>
+                                        <p:tav tm="100000">
+                                          <p:val>
+                                            <p:strVal val="#ppt_w"/>
+                                          </p:val>
+                                        </p:tav>
+                                      </p:tavLst>
+                                    </p:anim>
+                                    <p:anim calcmode="lin" valueType="num">
+                                      <p:cBhvr>
+                                        <p:cTn id="37" dur="250" fill="hold"/>
+                                        <p:tgtEl>
+                                          <p:spTgt spid="9"/>
+                                        </p:tgtEl>
+                                        <p:attrNameLst>
+                                          <p:attrName>ppt_h</p:attrName>
+                                        </p:attrNameLst>
+                                      </p:cBhvr>
+                                      <p:tavLst>
+                                        <p:tav tm="0">
+                                          <p:val>
+                                            <p:fltVal val="0"/>
+                                          </p:val>
+                                        </p:tav>
+                                        <p:tav tm="100000">
+                                          <p:val>
+                                            <p:strVal val="#ppt_h"/>
+                                          </p:val>
+                                        </p:tav>
+                                      </p:tavLst>
+                                    </p:anim>
+                                    <p:animEffect transition="in" filter="fade">
+                                      <p:cBhvr>
+                                        <p:cTn id="38" dur="250"/>
+                                        <p:tgtEl>
+                                          <p:spTgt spid="9"/>
+                                        </p:tgtEl>
+                                      </p:cBhvr>
+                                    </p:animEffect>
+                                  </p:childTnLst>
+                                </p:cTn>
+                              </p:par>
+                              <p:par>
+                                <p:cTn id="39" presetID="1" presetClass="entr" presetSubtype="0" fill="hold" grpId="0" nodeType="withEffect" nodePh="1">
                                   <p:stCondLst>
                                     <p:cond delay="7000"/>
                                   </p:stCondLst>
                                   <p:endCondLst>
                                     <p:cond evt="begin" delay="0">
-                                      <p:tn val="33"/>
+                                      <p:tn val="39"/>
                                     </p:cond>
                                   </p:endCondLst>
                                   <p:childTnLst>
                                     <p:set>
                                       <p:cBhvr>
-                                        <p:cTn id="34" dur="1" fill="hold">
+                                        <p:cTn id="40" dur="1" fill="hold">
                                           <p:stCondLst>
                                             <p:cond delay="199"/>
                                           </p:stCondLst>
@@ -2500,6 +2635,7 @@
       <p:bldP spid="2" grpId="0"/>
       <p:bldP spid="6" grpId="0" animBg="1"/>
       <p:bldP spid="8" grpId="0" animBg="1"/>
+      <p:bldP spid="9" grpId="0" animBg="1"/>
     </p:bldLst>
   </p:timing>
 </p:sld>
@@ -2557,11 +2693,6 @@
               </a:rPr>
               <a:t>Lieferantenrechnungen</a:t>
             </a:r>
-            <a:endParaRPr lang="de-DE" sz="2400" b="1" dirty="0">
-              <a:solidFill>
-                <a:schemeClr val="bg1"/>
-              </a:solidFill>
-            </a:endParaRPr>
           </a:p>
         </p:txBody>
       </p:sp>
@@ -2612,15 +2743,7 @@
                   <a:srgbClr val="C00000"/>
                 </a:solidFill>
               </a:rPr>
-              <a:t>Erkennungsrate </a:t>
-            </a:r>
-            <a:r>
-              <a:rPr lang="de-DE" sz="2000" b="1" dirty="0" smtClean="0">
-                <a:solidFill>
-                  <a:srgbClr val="C00000"/>
-                </a:solidFill>
-              </a:rPr>
-              <a:t>= 100%</a:t>
+              <a:t>Erkennungsrate = 100%</a:t>
             </a:r>
             <a:endParaRPr lang="de-DE" sz="2000" b="1" dirty="0">
               <a:solidFill>
@@ -2769,12 +2892,12 @@
               <a:buSzPct val="180000"/>
             </a:pPr>
             <a:r>
-              <a:rPr lang="de-DE" sz="2000" b="1" dirty="0" err="1" smtClean="0">
+              <a:rPr lang="de-DE" sz="2000" b="1" dirty="0" smtClean="0">
                 <a:solidFill>
                   <a:srgbClr val="C00000"/>
                 </a:solidFill>
               </a:rPr>
-              <a:t>xx</a:t>
+              <a:t>30 </a:t>
             </a:r>
             <a:r>
               <a:rPr lang="de-DE" sz="2000" b="1" dirty="0" smtClean="0">
@@ -2782,7 +2905,7 @@
                   <a:srgbClr val="C00000"/>
                 </a:solidFill>
               </a:rPr>
-              <a:t> Dokumente untersucht:</a:t>
+              <a:t>Dokumente untersucht:</a:t>
             </a:r>
             <a:endParaRPr lang="de-DE" sz="2000" b="1" dirty="0">
               <a:solidFill>
@@ -2795,7 +2918,7 @@
     </p:spTree>
     <p:extLst>
       <p:ext uri="{BB962C8B-B14F-4D97-AF65-F5344CB8AC3E}">
-        <p14:creationId xmlns:p14="http://schemas.microsoft.com/office/powerpoint/2010/main" val="36908405"/>
+        <p14:creationId xmlns="" xmlns:p14="http://schemas.microsoft.com/office/powerpoint/2010/main" val="36908405"/>
       </p:ext>
     </p:extLst>
   </p:cSld>

--- a/Jahresziele/2015/ABBYY/Fazit-Lieferantenrechnung.pptx
+++ b/Jahresziele/2015/ABBYY/Fazit-Lieferantenrechnung.pptx
@@ -376,7 +376,7 @@
     </p:spTree>
     <p:extLst>
       <p:ext uri="{BB962C8B-B14F-4D97-AF65-F5344CB8AC3E}">
-        <p14:creationId xmlns="" xmlns:p14="http://schemas.microsoft.com/office/powerpoint/2010/main" val="1907857566"/>
+        <p14:creationId xmlns:p14="http://schemas.microsoft.com/office/powerpoint/2010/main" xmlns="" val="1907857566"/>
       </p:ext>
     </p:extLst>
   </p:cSld>
@@ -552,7 +552,7 @@
     </p:spTree>
     <p:extLst>
       <p:ext uri="{BB962C8B-B14F-4D97-AF65-F5344CB8AC3E}">
-        <p14:creationId xmlns="" xmlns:p14="http://schemas.microsoft.com/office/powerpoint/2010/main" val="325568466"/>
+        <p14:creationId xmlns:p14="http://schemas.microsoft.com/office/powerpoint/2010/main" xmlns="" val="325568466"/>
       </p:ext>
     </p:extLst>
   </p:cSld>
@@ -637,7 +637,7 @@
     </p:spTree>
     <p:extLst>
       <p:ext uri="{BB962C8B-B14F-4D97-AF65-F5344CB8AC3E}">
-        <p14:creationId xmlns="" xmlns:p14="http://schemas.microsoft.com/office/powerpoint/2010/main" val="2279025156"/>
+        <p14:creationId xmlns:p14="http://schemas.microsoft.com/office/powerpoint/2010/main" xmlns="" val="2279025156"/>
       </p:ext>
     </p:extLst>
   </p:cSld>
@@ -722,7 +722,7 @@
     </p:spTree>
     <p:extLst>
       <p:ext uri="{BB962C8B-B14F-4D97-AF65-F5344CB8AC3E}">
-        <p14:creationId xmlns="" xmlns:p14="http://schemas.microsoft.com/office/powerpoint/2010/main" val="2279025156"/>
+        <p14:creationId xmlns:p14="http://schemas.microsoft.com/office/powerpoint/2010/main" xmlns="" val="2279025156"/>
       </p:ext>
     </p:extLst>
   </p:cSld>
@@ -2569,20 +2569,29 @@
                                   </p:childTnLst>
                                 </p:cTn>
                               </p:par>
+                            </p:childTnLst>
+                          </p:cTn>
+                        </p:par>
+                        <p:par>
+                          <p:cTn id="39" fill="hold">
+                            <p:stCondLst>
+                              <p:cond delay="9050"/>
+                            </p:stCondLst>
+                            <p:childTnLst>
                               <p:par>
-                                <p:cTn id="39" presetID="1" presetClass="entr" presetSubtype="0" fill="hold" grpId="0" nodeType="withEffect" nodePh="1">
+                                <p:cTn id="40" presetID="1" presetClass="entr" presetSubtype="0" fill="hold" grpId="0" nodeType="afterEffect" nodePh="1">
                                   <p:stCondLst>
                                     <p:cond delay="7000"/>
                                   </p:stCondLst>
                                   <p:endCondLst>
                                     <p:cond evt="begin" delay="0">
-                                      <p:tn val="39"/>
+                                      <p:tn val="40"/>
                                     </p:cond>
                                   </p:endCondLst>
                                   <p:childTnLst>
                                     <p:set>
                                       <p:cBhvr>
-                                        <p:cTn id="40" dur="1" fill="hold">
+                                        <p:cTn id="41" dur="1" fill="hold">
                                           <p:stCondLst>
                                             <p:cond delay="199"/>
                                           </p:stCondLst>
@@ -2897,15 +2906,7 @@
                   <a:srgbClr val="C00000"/>
                 </a:solidFill>
               </a:rPr>
-              <a:t>30 </a:t>
-            </a:r>
-            <a:r>
-              <a:rPr lang="de-DE" sz="2000" b="1" dirty="0" smtClean="0">
-                <a:solidFill>
-                  <a:srgbClr val="C00000"/>
-                </a:solidFill>
-              </a:rPr>
-              <a:t>Dokumente untersucht:</a:t>
+              <a:t>30 Dokumente untersucht:</a:t>
             </a:r>
             <a:endParaRPr lang="de-DE" sz="2000" b="1" dirty="0">
               <a:solidFill>
@@ -2918,7 +2919,7 @@
     </p:spTree>
     <p:extLst>
       <p:ext uri="{BB962C8B-B14F-4D97-AF65-F5344CB8AC3E}">
-        <p14:creationId xmlns="" xmlns:p14="http://schemas.microsoft.com/office/powerpoint/2010/main" val="36908405"/>
+        <p14:creationId xmlns:p14="http://schemas.microsoft.com/office/powerpoint/2010/main" xmlns="" val="36908405"/>
       </p:ext>
     </p:extLst>
   </p:cSld>
